--- a/sprint1/week01/intro_to_startup.pptx
+++ b/sprint1/week01/intro_to_startup.pptx
@@ -16,7 +16,13 @@
     <p:sldId id="296" r:id="rId10"/>
     <p:sldId id="270" r:id="rId11"/>
     <p:sldId id="297" r:id="rId12"/>
-    <p:sldId id="287" r:id="rId13"/>
+    <p:sldId id="298" r:id="rId13"/>
+    <p:sldId id="287" r:id="rId14"/>
+    <p:sldId id="299" r:id="rId15"/>
+    <p:sldId id="300" r:id="rId16"/>
+    <p:sldId id="301" r:id="rId17"/>
+    <p:sldId id="303" r:id="rId18"/>
+    <p:sldId id="302" r:id="rId19"/>
   </p:sldIdLst>
   <p:sldSz cx="12192000" cy="6858000"/>
   <p:notesSz cx="6858000" cy="9144000"/>
@@ -126,7 +132,7 @@
 <file path=ppt/revisionInfo.xml><?xml version="1.0" encoding="utf-8"?>
 <p1510:revInfo xmlns:a="http://schemas.openxmlformats.org/drawingml/2006/main" xmlns:r="http://schemas.openxmlformats.org/officeDocument/2006/relationships" xmlns:p1510="http://schemas.microsoft.com/office/powerpoint/2015/10/main">
   <p1510:revLst>
-    <p1510:client id="{4CA5B7EF-1CEB-445B-B5B3-9F2C44C191A8}" v="6" dt="2022-01-18T14:45:26.634"/>
+    <p1510:client id="{4CA5B7EF-1CEB-445B-B5B3-9F2C44C191A8}" v="17" dt="2022-01-18T17:06:46.607"/>
   </p1510:revLst>
 </p1510:revInfo>
 </file>
@@ -136,10 +142,25 @@
   <pc:docChgLst>
     <pc:chgData name="Keith E. Kelly" userId="fedd740b53416be3" providerId="LiveId" clId="{4CA5B7EF-1CEB-445B-B5B3-9F2C44C191A8}"/>
     <pc:docChg chg="undo custSel addSld delSld modSld sldOrd">
-      <pc:chgData name="Keith E. Kelly" userId="fedd740b53416be3" providerId="LiveId" clId="{4CA5B7EF-1CEB-445B-B5B3-9F2C44C191A8}" dt="2022-01-18T14:56:34.760" v="378" actId="47"/>
+      <pc:chgData name="Keith E. Kelly" userId="fedd740b53416be3" providerId="LiveId" clId="{4CA5B7EF-1CEB-445B-B5B3-9F2C44C191A8}" dt="2022-01-18T17:09:29.408" v="441" actId="20577"/>
       <pc:docMkLst>
         <pc:docMk/>
       </pc:docMkLst>
+      <pc:sldChg chg="modSp mod">
+        <pc:chgData name="Keith E. Kelly" userId="fedd740b53416be3" providerId="LiveId" clId="{4CA5B7EF-1CEB-445B-B5B3-9F2C44C191A8}" dt="2022-01-18T17:09:29.408" v="441" actId="20577"/>
+        <pc:sldMkLst>
+          <pc:docMk/>
+          <pc:sldMk cId="3592869422" sldId="256"/>
+        </pc:sldMkLst>
+        <pc:spChg chg="mod">
+          <ac:chgData name="Keith E. Kelly" userId="fedd740b53416be3" providerId="LiveId" clId="{4CA5B7EF-1CEB-445B-B5B3-9F2C44C191A8}" dt="2022-01-18T17:09:29.408" v="441" actId="20577"/>
+          <ac:spMkLst>
+            <pc:docMk/>
+            <pc:sldMk cId="3592869422" sldId="256"/>
+            <ac:spMk id="3" creationId="{92629644-287A-4B50-A754-83717146374F}"/>
+          </ac:spMkLst>
+        </pc:spChg>
+      </pc:sldChg>
       <pc:sldChg chg="del">
         <pc:chgData name="Keith E. Kelly" userId="fedd740b53416be3" providerId="LiveId" clId="{4CA5B7EF-1CEB-445B-B5B3-9F2C44C191A8}" dt="2022-01-18T14:56:34.760" v="378" actId="47"/>
         <pc:sldMkLst>
@@ -479,6 +500,200 @@
             <pc:docMk/>
             <pc:sldMk cId="1830678629" sldId="297"/>
             <ac:spMk id="3" creationId="{C7183BC7-7C0D-41D4-B012-8BED0E58E1FB}"/>
+          </ac:spMkLst>
+        </pc:spChg>
+      </pc:sldChg>
+      <pc:sldChg chg="addSp modSp new mod setBg">
+        <pc:chgData name="Keith E. Kelly" userId="fedd740b53416be3" providerId="LiveId" clId="{4CA5B7EF-1CEB-445B-B5B3-9F2C44C191A8}" dt="2022-01-18T16:51:34.841" v="389" actId="20577"/>
+        <pc:sldMkLst>
+          <pc:docMk/>
+          <pc:sldMk cId="3873168638" sldId="298"/>
+        </pc:sldMkLst>
+        <pc:spChg chg="mod">
+          <ac:chgData name="Keith E. Kelly" userId="fedd740b53416be3" providerId="LiveId" clId="{4CA5B7EF-1CEB-445B-B5B3-9F2C44C191A8}" dt="2022-01-18T16:51:34.841" v="389" actId="20577"/>
+          <ac:spMkLst>
+            <pc:docMk/>
+            <pc:sldMk cId="3873168638" sldId="298"/>
+            <ac:spMk id="2" creationId="{C20441FA-ACEC-4217-8C4A-BB0B3F69850A}"/>
+          </ac:spMkLst>
+        </pc:spChg>
+        <pc:spChg chg="mod ord">
+          <ac:chgData name="Keith E. Kelly" userId="fedd740b53416be3" providerId="LiveId" clId="{4CA5B7EF-1CEB-445B-B5B3-9F2C44C191A8}" dt="2022-01-18T16:51:29.969" v="381" actId="26606"/>
+          <ac:spMkLst>
+            <pc:docMk/>
+            <pc:sldMk cId="3873168638" sldId="298"/>
+            <ac:spMk id="3" creationId="{F7A0E376-39FB-4499-9ED3-2BCE24B8933C}"/>
+          </ac:spMkLst>
+        </pc:spChg>
+        <pc:spChg chg="add">
+          <ac:chgData name="Keith E. Kelly" userId="fedd740b53416be3" providerId="LiveId" clId="{4CA5B7EF-1CEB-445B-B5B3-9F2C44C191A8}" dt="2022-01-18T16:51:29.969" v="381" actId="26606"/>
+          <ac:spMkLst>
+            <pc:docMk/>
+            <pc:sldMk cId="3873168638" sldId="298"/>
+            <ac:spMk id="71" creationId="{07CEFFDD-605F-41E2-8017-6484074C5CAA}"/>
+          </ac:spMkLst>
+        </pc:spChg>
+        <pc:picChg chg="add mod">
+          <ac:chgData name="Keith E. Kelly" userId="fedd740b53416be3" providerId="LiveId" clId="{4CA5B7EF-1CEB-445B-B5B3-9F2C44C191A8}" dt="2022-01-18T16:51:29.969" v="381" actId="26606"/>
+          <ac:picMkLst>
+            <pc:docMk/>
+            <pc:sldMk cId="3873168638" sldId="298"/>
+            <ac:picMk id="1026" creationId="{38EB7FF7-6230-4EC6-9BED-3EA9BD6463A6}"/>
+          </ac:picMkLst>
+        </pc:picChg>
+      </pc:sldChg>
+      <pc:sldChg chg="addSp modSp new mod">
+        <pc:chgData name="Keith E. Kelly" userId="fedd740b53416be3" providerId="LiveId" clId="{4CA5B7EF-1CEB-445B-B5B3-9F2C44C191A8}" dt="2022-01-18T16:54:46.941" v="397" actId="1076"/>
+        <pc:sldMkLst>
+          <pc:docMk/>
+          <pc:sldMk cId="3042225253" sldId="299"/>
+        </pc:sldMkLst>
+        <pc:spChg chg="mod">
+          <ac:chgData name="Keith E. Kelly" userId="fedd740b53416be3" providerId="LiveId" clId="{4CA5B7EF-1CEB-445B-B5B3-9F2C44C191A8}" dt="2022-01-18T16:54:46.941" v="397" actId="1076"/>
+          <ac:spMkLst>
+            <pc:docMk/>
+            <pc:sldMk cId="3042225253" sldId="299"/>
+            <ac:spMk id="3" creationId="{D265283F-E400-4E74-A7F8-32BC28F41353}"/>
+          </ac:spMkLst>
+        </pc:spChg>
+        <pc:picChg chg="add mod">
+          <ac:chgData name="Keith E. Kelly" userId="fedd740b53416be3" providerId="LiveId" clId="{4CA5B7EF-1CEB-445B-B5B3-9F2C44C191A8}" dt="2022-01-18T16:54:11.274" v="393" actId="1076"/>
+          <ac:picMkLst>
+            <pc:docMk/>
+            <pc:sldMk cId="3042225253" sldId="299"/>
+            <ac:picMk id="5" creationId="{D2BFD493-FD97-4726-802E-DDCE56C51429}"/>
+          </ac:picMkLst>
+        </pc:picChg>
+        <pc:picChg chg="add mod">
+          <ac:chgData name="Keith E. Kelly" userId="fedd740b53416be3" providerId="LiveId" clId="{4CA5B7EF-1CEB-445B-B5B3-9F2C44C191A8}" dt="2022-01-18T16:54:38.174" v="396" actId="14100"/>
+          <ac:picMkLst>
+            <pc:docMk/>
+            <pc:sldMk cId="3042225253" sldId="299"/>
+            <ac:picMk id="2050" creationId="{FE0654AF-0C01-4ABF-9525-6A1E4170B5FB}"/>
+          </ac:picMkLst>
+        </pc:picChg>
+      </pc:sldChg>
+      <pc:sldChg chg="addSp delSp modSp new mod setBg">
+        <pc:chgData name="Keith E. Kelly" userId="fedd740b53416be3" providerId="LiveId" clId="{4CA5B7EF-1CEB-445B-B5B3-9F2C44C191A8}" dt="2022-01-18T16:58:10.041" v="400" actId="26606"/>
+        <pc:sldMkLst>
+          <pc:docMk/>
+          <pc:sldMk cId="2714738005" sldId="300"/>
+        </pc:sldMkLst>
+        <pc:spChg chg="del">
+          <ac:chgData name="Keith E. Kelly" userId="fedd740b53416be3" providerId="LiveId" clId="{4CA5B7EF-1CEB-445B-B5B3-9F2C44C191A8}" dt="2022-01-18T16:58:10.041" v="400" actId="26606"/>
+          <ac:spMkLst>
+            <pc:docMk/>
+            <pc:sldMk cId="2714738005" sldId="300"/>
+            <ac:spMk id="2" creationId="{5073D67D-8CCE-4942-8917-D812F4D50FB1}"/>
+          </ac:spMkLst>
+        </pc:spChg>
+        <pc:spChg chg="del">
+          <ac:chgData name="Keith E. Kelly" userId="fedd740b53416be3" providerId="LiveId" clId="{4CA5B7EF-1CEB-445B-B5B3-9F2C44C191A8}" dt="2022-01-18T16:58:10.041" v="400" actId="26606"/>
+          <ac:spMkLst>
+            <pc:docMk/>
+            <pc:sldMk cId="2714738005" sldId="300"/>
+            <ac:spMk id="3" creationId="{5CFADF6E-F110-41B0-A411-90CB598B8E11}"/>
+          </ac:spMkLst>
+        </pc:spChg>
+        <pc:picChg chg="add mod">
+          <ac:chgData name="Keith E. Kelly" userId="fedd740b53416be3" providerId="LiveId" clId="{4CA5B7EF-1CEB-445B-B5B3-9F2C44C191A8}" dt="2022-01-18T16:58:10.041" v="400" actId="26606"/>
+          <ac:picMkLst>
+            <pc:docMk/>
+            <pc:sldMk cId="2714738005" sldId="300"/>
+            <ac:picMk id="3074" creationId="{C22D445B-605D-4F56-BAEC-DFFD82CA99E2}"/>
+          </ac:picMkLst>
+        </pc:picChg>
+      </pc:sldChg>
+      <pc:sldChg chg="addSp modSp new mod setBg setClrOvrMap">
+        <pc:chgData name="Keith E. Kelly" userId="fedd740b53416be3" providerId="LiveId" clId="{4CA5B7EF-1CEB-445B-B5B3-9F2C44C191A8}" dt="2022-01-18T17:07:39.918" v="433" actId="27636"/>
+        <pc:sldMkLst>
+          <pc:docMk/>
+          <pc:sldMk cId="3772213147" sldId="301"/>
+        </pc:sldMkLst>
+        <pc:spChg chg="mod">
+          <ac:chgData name="Keith E. Kelly" userId="fedd740b53416be3" providerId="LiveId" clId="{4CA5B7EF-1CEB-445B-B5B3-9F2C44C191A8}" dt="2022-01-18T17:07:39.918" v="433" actId="27636"/>
+          <ac:spMkLst>
+            <pc:docMk/>
+            <pc:sldMk cId="3772213147" sldId="301"/>
+            <ac:spMk id="2" creationId="{1734F56D-05A1-41AB-B83E-41BEC0365472}"/>
+          </ac:spMkLst>
+        </pc:spChg>
+        <pc:spChg chg="mod ord">
+          <ac:chgData name="Keith E. Kelly" userId="fedd740b53416be3" providerId="LiveId" clId="{4CA5B7EF-1CEB-445B-B5B3-9F2C44C191A8}" dt="2022-01-18T17:07:14.908" v="406" actId="26606"/>
+          <ac:spMkLst>
+            <pc:docMk/>
+            <pc:sldMk cId="3772213147" sldId="301"/>
+            <ac:spMk id="3" creationId="{CCD44226-0A63-45CB-AD18-DEC58B30FE48}"/>
+          </ac:spMkLst>
+        </pc:spChg>
+        <pc:spChg chg="add">
+          <ac:chgData name="Keith E. Kelly" userId="fedd740b53416be3" providerId="LiveId" clId="{4CA5B7EF-1CEB-445B-B5B3-9F2C44C191A8}" dt="2022-01-18T17:07:14.908" v="406" actId="26606"/>
+          <ac:spMkLst>
+            <pc:docMk/>
+            <pc:sldMk cId="3772213147" sldId="301"/>
+            <ac:spMk id="75" creationId="{6D043292-708B-4F69-AE72-8FB56C6E8E85}"/>
+          </ac:spMkLst>
+        </pc:spChg>
+        <pc:spChg chg="add">
+          <ac:chgData name="Keith E. Kelly" userId="fedd740b53416be3" providerId="LiveId" clId="{4CA5B7EF-1CEB-445B-B5B3-9F2C44C191A8}" dt="2022-01-18T17:07:14.908" v="406" actId="26606"/>
+          <ac:spMkLst>
+            <pc:docMk/>
+            <pc:sldMk cId="3772213147" sldId="301"/>
+            <ac:spMk id="77" creationId="{9F01DDB9-C75C-44C2-9331-356EAF9C0578}"/>
+          </ac:spMkLst>
+        </pc:spChg>
+        <pc:spChg chg="add">
+          <ac:chgData name="Keith E. Kelly" userId="fedd740b53416be3" providerId="LiveId" clId="{4CA5B7EF-1CEB-445B-B5B3-9F2C44C191A8}" dt="2022-01-18T17:07:14.908" v="406" actId="26606"/>
+          <ac:spMkLst>
+            <pc:docMk/>
+            <pc:sldMk cId="3772213147" sldId="301"/>
+            <ac:spMk id="79" creationId="{72C017B3-7B7A-4C5A-A3E9-09EC1428BCA0}"/>
+          </ac:spMkLst>
+        </pc:spChg>
+        <pc:picChg chg="add mod">
+          <ac:chgData name="Keith E. Kelly" userId="fedd740b53416be3" providerId="LiveId" clId="{4CA5B7EF-1CEB-445B-B5B3-9F2C44C191A8}" dt="2022-01-18T17:07:14.908" v="406" actId="26606"/>
+          <ac:picMkLst>
+            <pc:docMk/>
+            <pc:sldMk cId="3772213147" sldId="301"/>
+            <ac:picMk id="4098" creationId="{74216513-50AA-4220-84FD-A8AE863096D7}"/>
+          </ac:picMkLst>
+        </pc:picChg>
+        <pc:picChg chg="add mod">
+          <ac:chgData name="Keith E. Kelly" userId="fedd740b53416be3" providerId="LiveId" clId="{4CA5B7EF-1CEB-445B-B5B3-9F2C44C191A8}" dt="2022-01-18T17:07:14.908" v="406" actId="26606"/>
+          <ac:picMkLst>
+            <pc:docMk/>
+            <pc:sldMk cId="3772213147" sldId="301"/>
+            <ac:picMk id="4100" creationId="{44DB85FA-1F3D-446F-BD99-95216666AD84}"/>
+          </ac:picMkLst>
+        </pc:picChg>
+        <pc:picChg chg="add mod ord">
+          <ac:chgData name="Keith E. Kelly" userId="fedd740b53416be3" providerId="LiveId" clId="{4CA5B7EF-1CEB-445B-B5B3-9F2C44C191A8}" dt="2022-01-18T17:07:14.908" v="406" actId="26606"/>
+          <ac:picMkLst>
+            <pc:docMk/>
+            <pc:sldMk cId="3772213147" sldId="301"/>
+            <ac:picMk id="4102" creationId="{087D5132-61D8-4591-A0A1-86943A83C311}"/>
+          </ac:picMkLst>
+        </pc:picChg>
+      </pc:sldChg>
+      <pc:sldChg chg="new">
+        <pc:chgData name="Keith E. Kelly" userId="fedd740b53416be3" providerId="LiveId" clId="{4CA5B7EF-1CEB-445B-B5B3-9F2C44C191A8}" dt="2022-01-18T17:08:42.324" v="434" actId="680"/>
+        <pc:sldMkLst>
+          <pc:docMk/>
+          <pc:sldMk cId="3890375483" sldId="302"/>
+        </pc:sldMkLst>
+      </pc:sldChg>
+      <pc:sldChg chg="modSp add mod ord">
+        <pc:chgData name="Keith E. Kelly" userId="fedd740b53416be3" providerId="LiveId" clId="{4CA5B7EF-1CEB-445B-B5B3-9F2C44C191A8}" dt="2022-01-18T17:09:17.524" v="438" actId="20577"/>
+        <pc:sldMkLst>
+          <pc:docMk/>
+          <pc:sldMk cId="2213128148" sldId="303"/>
+        </pc:sldMkLst>
+        <pc:spChg chg="mod">
+          <ac:chgData name="Keith E. Kelly" userId="fedd740b53416be3" providerId="LiveId" clId="{4CA5B7EF-1CEB-445B-B5B3-9F2C44C191A8}" dt="2022-01-18T17:09:17.524" v="438" actId="20577"/>
+          <ac:spMkLst>
+            <pc:docMk/>
+            <pc:sldMk cId="2213128148" sldId="303"/>
+            <ac:spMk id="3" creationId="{92629644-287A-4B50-A754-83717146374F}"/>
           </ac:spMkLst>
         </pc:spChg>
       </pc:sldChg>
@@ -4385,6 +4600,14 @@
 <file path=ppt/slides/slide12.xml><?xml version="1.0" encoding="utf-8"?>
 <p:sld xmlns:a="http://schemas.openxmlformats.org/drawingml/2006/main" xmlns:r="http://schemas.openxmlformats.org/officeDocument/2006/relationships" xmlns:p="http://schemas.openxmlformats.org/presentationml/2006/main">
   <p:cSld>
+    <p:bg>
+      <p:bgPr>
+        <a:solidFill>
+          <a:schemeClr val="bg1"/>
+        </a:solidFill>
+        <a:effectLst/>
+      </p:bgPr>
+    </p:bg>
     <p:spTree>
       <p:nvGrpSpPr>
         <p:cNvPr id="1" name=""/>
@@ -4401,10 +4624,75 @@
       </p:grpSpPr>
       <p:sp>
         <p:nvSpPr>
+          <p:cNvPr id="71" name="Rectangle 70">
+            <a:extLst>
+              <a:ext uri="{FF2B5EF4-FFF2-40B4-BE49-F238E27FC236}">
+                <a16:creationId xmlns:a16="http://schemas.microsoft.com/office/drawing/2014/main" id="{07CEFFDD-605F-41E2-8017-6484074C5CAA}"/>
+              </a:ext>
+              <a:ext uri="{C183D7F6-B498-43B3-948B-1728B52AA6E4}">
+                <adec:decorative xmlns:adec="http://schemas.microsoft.com/office/drawing/2017/decorative" val="1"/>
+              </a:ext>
+            </a:extLst>
+          </p:cNvPr>
+          <p:cNvSpPr>
+            <a:spLocks noGrp="1" noRot="1" noChangeAspect="1" noMove="1" noResize="1" noEditPoints="1" noAdjustHandles="1" noChangeArrowheads="1" noChangeShapeType="1" noTextEdit="1"/>
+          </p:cNvSpPr>
+          <p:nvPr>
+            <p:extLst>
+              <p:ext uri="{386F3935-93C4-4BCD-93E2-E3B085C9AB24}">
+                <p16:designElem xmlns:p16="http://schemas.microsoft.com/office/powerpoint/2015/main" val="1"/>
+              </p:ext>
+            </p:extLst>
+          </p:nvPr>
+        </p:nvSpPr>
+        <p:spPr>
+          <a:xfrm>
+            <a:off x="7555992" y="0"/>
+            <a:ext cx="4636008" cy="6858000"/>
+          </a:xfrm>
+          <a:prstGeom prst="rect">
+            <a:avLst/>
+          </a:prstGeom>
+          <a:solidFill>
+            <a:srgbClr val="5F503B"/>
+          </a:solidFill>
+          <a:ln>
+            <a:solidFill>
+              <a:srgbClr val="5F503B"/>
+            </a:solidFill>
+          </a:ln>
+        </p:spPr>
+        <p:style>
+          <a:lnRef idx="2">
+            <a:schemeClr val="accent1">
+              <a:shade val="50000"/>
+            </a:schemeClr>
+          </a:lnRef>
+          <a:fillRef idx="1">
+            <a:schemeClr val="accent1"/>
+          </a:fillRef>
+          <a:effectRef idx="0">
+            <a:schemeClr val="accent1"/>
+          </a:effectRef>
+          <a:fontRef idx="minor">
+            <a:schemeClr val="lt1"/>
+          </a:fontRef>
+        </p:style>
+        <p:txBody>
+          <a:bodyPr rtlCol="0" anchor="ctr"/>
+          <a:lstStyle/>
+          <a:p>
+            <a:pPr algn="ctr"/>
+            <a:endParaRPr lang="en-US"/>
+          </a:p>
+        </p:txBody>
+      </p:sp>
+      <p:sp>
+        <p:nvSpPr>
           <p:cNvPr id="2" name="Title 1">
             <a:extLst>
               <a:ext uri="{FF2B5EF4-FFF2-40B4-BE49-F238E27FC236}">
-                <a16:creationId xmlns:a16="http://schemas.microsoft.com/office/drawing/2014/main" id="{1382F422-B143-4B85-9C75-05B7815A4CF0}"/>
+                <a16:creationId xmlns:a16="http://schemas.microsoft.com/office/drawing/2014/main" id="{C20441FA-ACEC-4217-8C4A-BB0B3F69850A}"/>
               </a:ext>
             </a:extLst>
           </p:cNvPr>
@@ -4417,36 +4705,40 @@
         </p:nvSpPr>
         <p:spPr>
           <a:xfrm>
-            <a:off x="657224" y="499533"/>
-            <a:ext cx="10772775" cy="1123079"/>
-          </a:xfrm>
-        </p:spPr>
-        <p:txBody>
-          <a:bodyPr/>
+            <a:off x="8173212" y="499533"/>
+            <a:ext cx="3401568" cy="1920240"/>
+          </a:xfrm>
+        </p:spPr>
+        <p:txBody>
+          <a:bodyPr anchor="b">
+            <a:normAutofit/>
+          </a:bodyPr>
           <a:lstStyle/>
           <a:p>
             <a:r>
-              <a:rPr lang="en-US" dirty="0"/>
-              <a:t>Example: Lean Canvas</a:t>
+              <a:rPr lang="en-US" sz="4000" dirty="0">
+                <a:solidFill>
+                  <a:srgbClr val="FFFFFF"/>
+                </a:solidFill>
+              </a:rPr>
+              <a:t>Sprint 1</a:t>
             </a:r>
           </a:p>
         </p:txBody>
       </p:sp>
       <p:pic>
         <p:nvPicPr>
-          <p:cNvPr id="2050" name="Picture 2" descr="See the source image">
+          <p:cNvPr id="1026" name="Picture 2">
             <a:extLst>
               <a:ext uri="{FF2B5EF4-FFF2-40B4-BE49-F238E27FC236}">
-                <a16:creationId xmlns:a16="http://schemas.microsoft.com/office/drawing/2014/main" id="{156CDC22-7B0E-4B11-BB34-A30B9559D4CE}"/>
+                <a16:creationId xmlns:a16="http://schemas.microsoft.com/office/drawing/2014/main" id="{38EB7FF7-6230-4EC6-9BED-3EA9BD6463A6}"/>
               </a:ext>
             </a:extLst>
           </p:cNvPr>
           <p:cNvPicPr>
-            <a:picLocks noGrp="1" noChangeAspect="1" noChangeArrowheads="1"/>
+            <a:picLocks noChangeAspect="1" noChangeArrowheads="1"/>
           </p:cNvPicPr>
-          <p:nvPr>
-            <p:ph idx="1"/>
-          </p:nvPr>
+          <p:nvPr/>
         </p:nvPicPr>
         <p:blipFill>
           <a:blip r:embed="rId2">
@@ -4456,15 +4748,14 @@
               </a:ext>
             </a:extLst>
           </a:blip>
-          <a:srcRect/>
           <a:stretch>
             <a:fillRect/>
           </a:stretch>
         </p:blipFill>
         <p:spPr bwMode="auto">
           <a:xfrm>
-            <a:off x="1664321" y="1410728"/>
-            <a:ext cx="8863357" cy="5447272"/>
+            <a:off x="633999" y="1558420"/>
+            <a:ext cx="6278529" cy="3751421"/>
           </a:xfrm>
           <a:prstGeom prst="rect">
             <a:avLst/>
@@ -4481,10 +4772,1231 @@
           </a:extLst>
         </p:spPr>
       </p:pic>
+      <p:sp>
+        <p:nvSpPr>
+          <p:cNvPr id="3" name="Content Placeholder 2">
+            <a:extLst>
+              <a:ext uri="{FF2B5EF4-FFF2-40B4-BE49-F238E27FC236}">
+                <a16:creationId xmlns:a16="http://schemas.microsoft.com/office/drawing/2014/main" id="{F7A0E376-39FB-4499-9ED3-2BCE24B8933C}"/>
+              </a:ext>
+            </a:extLst>
+          </p:cNvPr>
+          <p:cNvSpPr>
+            <a:spLocks noGrp="1"/>
+          </p:cNvSpPr>
+          <p:nvPr>
+            <p:ph idx="1"/>
+          </p:nvPr>
+        </p:nvSpPr>
+        <p:spPr>
+          <a:xfrm>
+            <a:off x="8173212" y="2419773"/>
+            <a:ext cx="3401568" cy="3358092"/>
+          </a:xfrm>
+        </p:spPr>
+        <p:txBody>
+          <a:bodyPr>
+            <a:normAutofit/>
+          </a:bodyPr>
+          <a:lstStyle/>
+          <a:p>
+            <a:endParaRPr lang="en-US" sz="1800">
+              <a:solidFill>
+                <a:srgbClr val="FFFFFF"/>
+              </a:solidFill>
+            </a:endParaRPr>
+          </a:p>
+        </p:txBody>
+      </p:sp>
+    </p:spTree>
+    <p:extLst>
+      <p:ext uri="{BB962C8B-B14F-4D97-AF65-F5344CB8AC3E}">
+        <p14:creationId xmlns:p14="http://schemas.microsoft.com/office/powerpoint/2010/main" val="3873168638"/>
+      </p:ext>
+    </p:extLst>
+  </p:cSld>
+  <p:clrMapOvr>
+    <a:masterClrMapping/>
+  </p:clrMapOvr>
+</p:sld>
+</file>
+
+<file path=ppt/slides/slide13.xml><?xml version="1.0" encoding="utf-8"?>
+<p:sld xmlns:a="http://schemas.openxmlformats.org/drawingml/2006/main" xmlns:r="http://schemas.openxmlformats.org/officeDocument/2006/relationships" xmlns:p="http://schemas.openxmlformats.org/presentationml/2006/main">
+  <p:cSld>
+    <p:spTree>
+      <p:nvGrpSpPr>
+        <p:cNvPr id="1" name=""/>
+        <p:cNvGrpSpPr/>
+        <p:nvPr/>
+      </p:nvGrpSpPr>
+      <p:grpSpPr>
+        <a:xfrm>
+          <a:off x="0" y="0"/>
+          <a:ext cx="0" cy="0"/>
+          <a:chOff x="0" y="0"/>
+          <a:chExt cx="0" cy="0"/>
+        </a:xfrm>
+      </p:grpSpPr>
+      <p:sp>
+        <p:nvSpPr>
+          <p:cNvPr id="2" name="Title 1">
+            <a:extLst>
+              <a:ext uri="{FF2B5EF4-FFF2-40B4-BE49-F238E27FC236}">
+                <a16:creationId xmlns:a16="http://schemas.microsoft.com/office/drawing/2014/main" id="{1382F422-B143-4B85-9C75-05B7815A4CF0}"/>
+              </a:ext>
+            </a:extLst>
+          </p:cNvPr>
+          <p:cNvSpPr>
+            <a:spLocks noGrp="1"/>
+          </p:cNvSpPr>
+          <p:nvPr>
+            <p:ph type="title"/>
+          </p:nvPr>
+        </p:nvSpPr>
+        <p:spPr>
+          <a:xfrm>
+            <a:off x="657224" y="499533"/>
+            <a:ext cx="10772775" cy="1123079"/>
+          </a:xfrm>
+        </p:spPr>
+        <p:txBody>
+          <a:bodyPr/>
+          <a:lstStyle/>
+          <a:p>
+            <a:r>
+              <a:rPr lang="en-US" dirty="0"/>
+              <a:t>Example: Lean Canvas</a:t>
+            </a:r>
+          </a:p>
+        </p:txBody>
+      </p:sp>
+      <p:pic>
+        <p:nvPicPr>
+          <p:cNvPr id="2050" name="Picture 2" descr="See the source image">
+            <a:extLst>
+              <a:ext uri="{FF2B5EF4-FFF2-40B4-BE49-F238E27FC236}">
+                <a16:creationId xmlns:a16="http://schemas.microsoft.com/office/drawing/2014/main" id="{156CDC22-7B0E-4B11-BB34-A30B9559D4CE}"/>
+              </a:ext>
+            </a:extLst>
+          </p:cNvPr>
+          <p:cNvPicPr>
+            <a:picLocks noGrp="1" noChangeAspect="1" noChangeArrowheads="1"/>
+          </p:cNvPicPr>
+          <p:nvPr>
+            <p:ph idx="1"/>
+          </p:nvPr>
+        </p:nvPicPr>
+        <p:blipFill>
+          <a:blip r:embed="rId2">
+            <a:extLst>
+              <a:ext uri="{28A0092B-C50C-407E-A947-70E740481C1C}">
+                <a14:useLocalDpi xmlns:a14="http://schemas.microsoft.com/office/drawing/2010/main" val="0"/>
+              </a:ext>
+            </a:extLst>
+          </a:blip>
+          <a:srcRect/>
+          <a:stretch>
+            <a:fillRect/>
+          </a:stretch>
+        </p:blipFill>
+        <p:spPr bwMode="auto">
+          <a:xfrm>
+            <a:off x="1664321" y="1410728"/>
+            <a:ext cx="8863357" cy="5447272"/>
+          </a:xfrm>
+          <a:prstGeom prst="rect">
+            <a:avLst/>
+          </a:prstGeom>
+          <a:noFill/>
+          <a:extLst>
+            <a:ext uri="{909E8E84-426E-40DD-AFC4-6F175D3DCCD1}">
+              <a14:hiddenFill xmlns:a14="http://schemas.microsoft.com/office/drawing/2010/main">
+                <a:solidFill>
+                  <a:srgbClr val="FFFFFF"/>
+                </a:solidFill>
+              </a14:hiddenFill>
+            </a:ext>
+          </a:extLst>
+        </p:spPr>
+      </p:pic>
     </p:spTree>
     <p:extLst>
       <p:ext uri="{BB962C8B-B14F-4D97-AF65-F5344CB8AC3E}">
         <p14:creationId xmlns:p14="http://schemas.microsoft.com/office/powerpoint/2010/main" val="1230484679"/>
+      </p:ext>
+    </p:extLst>
+  </p:cSld>
+  <p:clrMapOvr>
+    <a:masterClrMapping/>
+  </p:clrMapOvr>
+</p:sld>
+</file>
+
+<file path=ppt/slides/slide14.xml><?xml version="1.0" encoding="utf-8"?>
+<p:sld xmlns:a="http://schemas.openxmlformats.org/drawingml/2006/main" xmlns:r="http://schemas.openxmlformats.org/officeDocument/2006/relationships" xmlns:p="http://schemas.openxmlformats.org/presentationml/2006/main">
+  <p:cSld>
+    <p:spTree>
+      <p:nvGrpSpPr>
+        <p:cNvPr id="1" name=""/>
+        <p:cNvGrpSpPr/>
+        <p:nvPr/>
+      </p:nvGrpSpPr>
+      <p:grpSpPr>
+        <a:xfrm>
+          <a:off x="0" y="0"/>
+          <a:ext cx="0" cy="0"/>
+          <a:chOff x="0" y="0"/>
+          <a:chExt cx="0" cy="0"/>
+        </a:xfrm>
+      </p:grpSpPr>
+      <p:sp>
+        <p:nvSpPr>
+          <p:cNvPr id="2" name="Title 1">
+            <a:extLst>
+              <a:ext uri="{FF2B5EF4-FFF2-40B4-BE49-F238E27FC236}">
+                <a16:creationId xmlns:a16="http://schemas.microsoft.com/office/drawing/2014/main" id="{B2CD9E92-C087-4982-9286-545A09F0C848}"/>
+              </a:ext>
+            </a:extLst>
+          </p:cNvPr>
+          <p:cNvSpPr>
+            <a:spLocks noGrp="1"/>
+          </p:cNvSpPr>
+          <p:nvPr>
+            <p:ph type="title"/>
+          </p:nvPr>
+        </p:nvSpPr>
+        <p:spPr/>
+        <p:txBody>
+          <a:bodyPr/>
+          <a:lstStyle/>
+          <a:p>
+            <a:endParaRPr lang="en-US"/>
+          </a:p>
+        </p:txBody>
+      </p:sp>
+      <p:sp>
+        <p:nvSpPr>
+          <p:cNvPr id="3" name="Content Placeholder 2">
+            <a:extLst>
+              <a:ext uri="{FF2B5EF4-FFF2-40B4-BE49-F238E27FC236}">
+                <a16:creationId xmlns:a16="http://schemas.microsoft.com/office/drawing/2014/main" id="{D265283F-E400-4E74-A7F8-32BC28F41353}"/>
+              </a:ext>
+            </a:extLst>
+          </p:cNvPr>
+          <p:cNvSpPr>
+            <a:spLocks noGrp="1"/>
+          </p:cNvSpPr>
+          <p:nvPr>
+            <p:ph idx="1"/>
+          </p:nvPr>
+        </p:nvSpPr>
+        <p:spPr>
+          <a:xfrm>
+            <a:off x="754211" y="2011680"/>
+            <a:ext cx="10753725" cy="3766185"/>
+          </a:xfrm>
+        </p:spPr>
+        <p:txBody>
+          <a:bodyPr/>
+          <a:lstStyle/>
+          <a:p>
+            <a:endParaRPr lang="en-US" dirty="0"/>
+          </a:p>
+        </p:txBody>
+      </p:sp>
+      <p:pic>
+        <p:nvPicPr>
+          <p:cNvPr id="5" name="Picture 4">
+            <a:extLst>
+              <a:ext uri="{FF2B5EF4-FFF2-40B4-BE49-F238E27FC236}">
+                <a16:creationId xmlns:a16="http://schemas.microsoft.com/office/drawing/2014/main" id="{D2BFD493-FD97-4726-802E-DDCE56C51429}"/>
+              </a:ext>
+            </a:extLst>
+          </p:cNvPr>
+          <p:cNvPicPr>
+            <a:picLocks noChangeAspect="1"/>
+          </p:cNvPicPr>
+          <p:nvPr/>
+        </p:nvPicPr>
+        <p:blipFill>
+          <a:blip r:embed="rId2"/>
+          <a:stretch>
+            <a:fillRect/>
+          </a:stretch>
+        </p:blipFill>
+        <p:spPr>
+          <a:xfrm>
+            <a:off x="291159" y="0"/>
+            <a:ext cx="10490009" cy="6858000"/>
+          </a:xfrm>
+          <a:prstGeom prst="rect">
+            <a:avLst/>
+          </a:prstGeom>
+        </p:spPr>
+      </p:pic>
+      <p:pic>
+        <p:nvPicPr>
+          <p:cNvPr id="2050" name="Picture 2" descr="Touch Up Cup Paint Container Shark Tank Founders">
+            <a:extLst>
+              <a:ext uri="{FF2B5EF4-FFF2-40B4-BE49-F238E27FC236}">
+                <a16:creationId xmlns:a16="http://schemas.microsoft.com/office/drawing/2014/main" id="{FE0654AF-0C01-4ABF-9525-6A1E4170B5FB}"/>
+              </a:ext>
+            </a:extLst>
+          </p:cNvPr>
+          <p:cNvPicPr>
+            <a:picLocks noChangeAspect="1" noChangeArrowheads="1"/>
+          </p:cNvPicPr>
+          <p:nvPr/>
+        </p:nvPicPr>
+        <p:blipFill>
+          <a:blip r:embed="rId3">
+            <a:extLst>
+              <a:ext uri="{28A0092B-C50C-407E-A947-70E740481C1C}">
+                <a14:useLocalDpi xmlns:a14="http://schemas.microsoft.com/office/drawing/2010/main" val="0"/>
+              </a:ext>
+            </a:extLst>
+          </a:blip>
+          <a:srcRect/>
+          <a:stretch>
+            <a:fillRect/>
+          </a:stretch>
+        </p:blipFill>
+        <p:spPr bwMode="auto">
+          <a:xfrm>
+            <a:off x="0" y="4212771"/>
+            <a:ext cx="4702629" cy="2645229"/>
+          </a:xfrm>
+          <a:prstGeom prst="rect">
+            <a:avLst/>
+          </a:prstGeom>
+          <a:noFill/>
+          <a:extLst>
+            <a:ext uri="{909E8E84-426E-40DD-AFC4-6F175D3DCCD1}">
+              <a14:hiddenFill xmlns:a14="http://schemas.microsoft.com/office/drawing/2010/main">
+                <a:solidFill>
+                  <a:srgbClr val="FFFFFF"/>
+                </a:solidFill>
+              </a14:hiddenFill>
+            </a:ext>
+          </a:extLst>
+        </p:spPr>
+      </p:pic>
+    </p:spTree>
+    <p:extLst>
+      <p:ext uri="{BB962C8B-B14F-4D97-AF65-F5344CB8AC3E}">
+        <p14:creationId xmlns:p14="http://schemas.microsoft.com/office/powerpoint/2010/main" val="3042225253"/>
+      </p:ext>
+    </p:extLst>
+  </p:cSld>
+  <p:clrMapOvr>
+    <a:masterClrMapping/>
+  </p:clrMapOvr>
+</p:sld>
+</file>
+
+<file path=ppt/slides/slide15.xml><?xml version="1.0" encoding="utf-8"?>
+<p:sld xmlns:a="http://schemas.openxmlformats.org/drawingml/2006/main" xmlns:r="http://schemas.openxmlformats.org/officeDocument/2006/relationships" xmlns:p="http://schemas.openxmlformats.org/presentationml/2006/main">
+  <p:cSld>
+    <p:bg>
+      <p:bgPr>
+        <a:solidFill>
+          <a:schemeClr val="bg1"/>
+        </a:solidFill>
+        <a:effectLst/>
+      </p:bgPr>
+    </p:bg>
+    <p:spTree>
+      <p:nvGrpSpPr>
+        <p:cNvPr id="1" name=""/>
+        <p:cNvGrpSpPr/>
+        <p:nvPr/>
+      </p:nvGrpSpPr>
+      <p:grpSpPr>
+        <a:xfrm>
+          <a:off x="0" y="0"/>
+          <a:ext cx="0" cy="0"/>
+          <a:chOff x="0" y="0"/>
+          <a:chExt cx="0" cy="0"/>
+        </a:xfrm>
+      </p:grpSpPr>
+      <p:pic>
+        <p:nvPicPr>
+          <p:cNvPr id="3074" name="Picture 2" descr="See the source image">
+            <a:extLst>
+              <a:ext uri="{FF2B5EF4-FFF2-40B4-BE49-F238E27FC236}">
+                <a16:creationId xmlns:a16="http://schemas.microsoft.com/office/drawing/2014/main" id="{C22D445B-605D-4F56-BAEC-DFFD82CA99E2}"/>
+              </a:ext>
+            </a:extLst>
+          </p:cNvPr>
+          <p:cNvPicPr>
+            <a:picLocks noGrp="1" noChangeAspect="1" noChangeArrowheads="1"/>
+          </p:cNvPicPr>
+          <p:nvPr>
+            <p:ph idx="1"/>
+          </p:nvPr>
+        </p:nvPicPr>
+        <p:blipFill rotWithShape="1">
+          <a:blip r:embed="rId2">
+            <a:extLst>
+              <a:ext uri="{28A0092B-C50C-407E-A947-70E740481C1C}">
+                <a14:useLocalDpi xmlns:a14="http://schemas.microsoft.com/office/drawing/2010/main" val="0"/>
+              </a:ext>
+            </a:extLst>
+          </a:blip>
+          <a:srcRect t="14983" b="28767"/>
+          <a:stretch/>
+        </p:blipFill>
+        <p:spPr bwMode="auto">
+          <a:xfrm>
+            <a:off x="20" y="10"/>
+            <a:ext cx="12191980" cy="6857990"/>
+          </a:xfrm>
+          <a:prstGeom prst="rect">
+            <a:avLst/>
+          </a:prstGeom>
+          <a:noFill/>
+          <a:extLst>
+            <a:ext uri="{909E8E84-426E-40DD-AFC4-6F175D3DCCD1}">
+              <a14:hiddenFill xmlns:a14="http://schemas.microsoft.com/office/drawing/2010/main">
+                <a:solidFill>
+                  <a:srgbClr val="FFFFFF"/>
+                </a:solidFill>
+              </a14:hiddenFill>
+            </a:ext>
+          </a:extLst>
+        </p:spPr>
+      </p:pic>
+    </p:spTree>
+    <p:extLst>
+      <p:ext uri="{BB962C8B-B14F-4D97-AF65-F5344CB8AC3E}">
+        <p14:creationId xmlns:p14="http://schemas.microsoft.com/office/powerpoint/2010/main" val="2714738005"/>
+      </p:ext>
+    </p:extLst>
+  </p:cSld>
+  <p:clrMapOvr>
+    <a:masterClrMapping/>
+  </p:clrMapOvr>
+</p:sld>
+</file>
+
+<file path=ppt/slides/slide16.xml><?xml version="1.0" encoding="utf-8"?>
+<p:sld xmlns:a="http://schemas.openxmlformats.org/drawingml/2006/main" xmlns:r="http://schemas.openxmlformats.org/officeDocument/2006/relationships" xmlns:p="http://schemas.openxmlformats.org/presentationml/2006/main">
+  <p:cSld>
+    <p:bg>
+      <p:bgPr>
+        <a:solidFill>
+          <a:schemeClr val="bg1"/>
+        </a:solidFill>
+        <a:effectLst/>
+      </p:bgPr>
+    </p:bg>
+    <p:spTree>
+      <p:nvGrpSpPr>
+        <p:cNvPr id="1" name=""/>
+        <p:cNvGrpSpPr/>
+        <p:nvPr/>
+      </p:nvGrpSpPr>
+      <p:grpSpPr>
+        <a:xfrm>
+          <a:off x="0" y="0"/>
+          <a:ext cx="0" cy="0"/>
+          <a:chOff x="0" y="0"/>
+          <a:chExt cx="0" cy="0"/>
+        </a:xfrm>
+      </p:grpSpPr>
+      <p:pic>
+        <p:nvPicPr>
+          <p:cNvPr id="4102" name="Picture 6" descr="Image result for engineering logbook">
+            <a:extLst>
+              <a:ext uri="{FF2B5EF4-FFF2-40B4-BE49-F238E27FC236}">
+                <a16:creationId xmlns:a16="http://schemas.microsoft.com/office/drawing/2014/main" id="{087D5132-61D8-4591-A0A1-86943A83C311}"/>
+              </a:ext>
+            </a:extLst>
+          </p:cNvPr>
+          <p:cNvPicPr>
+            <a:picLocks noChangeAspect="1" noChangeArrowheads="1"/>
+          </p:cNvPicPr>
+          <p:nvPr/>
+        </p:nvPicPr>
+        <p:blipFill rotWithShape="1">
+          <a:blip r:embed="rId2">
+            <a:extLst>
+              <a:ext uri="{28A0092B-C50C-407E-A947-70E740481C1C}">
+                <a14:useLocalDpi xmlns:a14="http://schemas.microsoft.com/office/drawing/2010/main" val="0"/>
+              </a:ext>
+            </a:extLst>
+          </a:blip>
+          <a:srcRect t="28950" r="-1" b="25436"/>
+          <a:stretch/>
+        </p:blipFill>
+        <p:spPr bwMode="auto">
+          <a:xfrm>
+            <a:off x="4599773" y="10"/>
+            <a:ext cx="7592227" cy="6857614"/>
+          </a:xfrm>
+          <a:prstGeom prst="rect">
+            <a:avLst/>
+          </a:prstGeom>
+          <a:noFill/>
+          <a:extLst>
+            <a:ext uri="{909E8E84-426E-40DD-AFC4-6F175D3DCCD1}">
+              <a14:hiddenFill xmlns:a14="http://schemas.microsoft.com/office/drawing/2010/main">
+                <a:solidFill>
+                  <a:srgbClr val="FFFFFF"/>
+                </a:solidFill>
+              </a14:hiddenFill>
+            </a:ext>
+          </a:extLst>
+        </p:spPr>
+      </p:pic>
+      <p:sp>
+        <p:nvSpPr>
+          <p:cNvPr id="75" name="Rectangle 74">
+            <a:extLst>
+              <a:ext uri="{FF2B5EF4-FFF2-40B4-BE49-F238E27FC236}">
+                <a16:creationId xmlns:a16="http://schemas.microsoft.com/office/drawing/2014/main" id="{6D043292-708B-4F69-AE72-8FB56C6E8E85}"/>
+              </a:ext>
+              <a:ext uri="{C183D7F6-B498-43B3-948B-1728B52AA6E4}">
+                <adec:decorative xmlns:adec="http://schemas.microsoft.com/office/drawing/2017/decorative" val="1"/>
+              </a:ext>
+            </a:extLst>
+          </p:cNvPr>
+          <p:cNvSpPr>
+            <a:spLocks noGrp="1" noRot="1" noChangeAspect="1" noMove="1" noResize="1" noEditPoints="1" noAdjustHandles="1" noChangeArrowheads="1" noChangeShapeType="1" noTextEdit="1"/>
+          </p:cNvSpPr>
+          <p:nvPr>
+            <p:extLst>
+              <p:ext uri="{386F3935-93C4-4BCD-93E2-E3B085C9AB24}">
+                <p16:designElem xmlns:p16="http://schemas.microsoft.com/office/powerpoint/2015/main" val="1"/>
+              </p:ext>
+            </p:extLst>
+          </p:nvPr>
+        </p:nvSpPr>
+        <p:spPr>
+          <a:xfrm>
+            <a:off x="0" y="0"/>
+            <a:ext cx="12192000" cy="6858000"/>
+          </a:xfrm>
+          <a:prstGeom prst="rect">
+            <a:avLst/>
+          </a:prstGeom>
+          <a:solidFill>
+            <a:schemeClr val="bg2">
+              <a:alpha val="68000"/>
+            </a:schemeClr>
+          </a:solidFill>
+          <a:ln>
+            <a:noFill/>
+          </a:ln>
+        </p:spPr>
+        <p:style>
+          <a:lnRef idx="2">
+            <a:schemeClr val="accent1">
+              <a:shade val="50000"/>
+            </a:schemeClr>
+          </a:lnRef>
+          <a:fillRef idx="1">
+            <a:schemeClr val="accent1"/>
+          </a:fillRef>
+          <a:effectRef idx="0">
+            <a:schemeClr val="accent1"/>
+          </a:effectRef>
+          <a:fontRef idx="minor">
+            <a:schemeClr val="lt1"/>
+          </a:fontRef>
+        </p:style>
+        <p:txBody>
+          <a:bodyPr rtlCol="0" anchor="ctr"/>
+          <a:lstStyle/>
+          <a:p>
+            <a:pPr algn="ctr"/>
+            <a:endParaRPr lang="en-US" dirty="0"/>
+          </a:p>
+        </p:txBody>
+      </p:sp>
+      <p:sp>
+        <p:nvSpPr>
+          <p:cNvPr id="2" name="Title 1">
+            <a:extLst>
+              <a:ext uri="{FF2B5EF4-FFF2-40B4-BE49-F238E27FC236}">
+                <a16:creationId xmlns:a16="http://schemas.microsoft.com/office/drawing/2014/main" id="{1734F56D-05A1-41AB-B83E-41BEC0365472}"/>
+              </a:ext>
+            </a:extLst>
+          </p:cNvPr>
+          <p:cNvSpPr>
+            <a:spLocks noGrp="1"/>
+          </p:cNvSpPr>
+          <p:nvPr>
+            <p:ph type="title"/>
+          </p:nvPr>
+        </p:nvSpPr>
+        <p:spPr>
+          <a:xfrm>
+            <a:off x="5100824" y="685800"/>
+            <a:ext cx="6176776" cy="1485900"/>
+          </a:xfrm>
+        </p:spPr>
+        <p:txBody>
+          <a:bodyPr>
+            <a:normAutofit fontScale="90000"/>
+          </a:bodyPr>
+          <a:lstStyle/>
+          <a:p>
+            <a:r>
+              <a:rPr lang="en-US" dirty="0">
+                <a:solidFill>
+                  <a:schemeClr val="tx1"/>
+                </a:solidFill>
+              </a:rPr>
+              <a:t>Your Log – </a:t>
+            </a:r>
+            <a:r>
+              <a:rPr lang="en-US">
+                <a:solidFill>
+                  <a:schemeClr val="tx1"/>
+                </a:solidFill>
+              </a:rPr>
+              <a:t>Your Journey</a:t>
+            </a:r>
+            <a:endParaRPr lang="en-US" dirty="0">
+              <a:solidFill>
+                <a:schemeClr val="tx1"/>
+              </a:solidFill>
+            </a:endParaRPr>
+          </a:p>
+        </p:txBody>
+      </p:sp>
+      <p:pic>
+        <p:nvPicPr>
+          <p:cNvPr id="4098" name="Picture 2" descr="See the source image">
+            <a:extLst>
+              <a:ext uri="{FF2B5EF4-FFF2-40B4-BE49-F238E27FC236}">
+                <a16:creationId xmlns:a16="http://schemas.microsoft.com/office/drawing/2014/main" id="{74216513-50AA-4220-84FD-A8AE863096D7}"/>
+              </a:ext>
+            </a:extLst>
+          </p:cNvPr>
+          <p:cNvPicPr>
+            <a:picLocks noChangeAspect="1" noChangeArrowheads="1"/>
+          </p:cNvPicPr>
+          <p:nvPr/>
+        </p:nvPicPr>
+        <p:blipFill rotWithShape="1">
+          <a:blip r:embed="rId3">
+            <a:extLst>
+              <a:ext uri="{28A0092B-C50C-407E-A947-70E740481C1C}">
+                <a14:useLocalDpi xmlns:a14="http://schemas.microsoft.com/office/drawing/2010/main" val="0"/>
+              </a:ext>
+            </a:extLst>
+          </a:blip>
+          <a:srcRect t="16470" r="-3" b="20115"/>
+          <a:stretch/>
+        </p:blipFill>
+        <p:spPr bwMode="auto">
+          <a:xfrm>
+            <a:off x="20" y="10"/>
+            <a:ext cx="4379956" cy="3428990"/>
+          </a:xfrm>
+          <a:prstGeom prst="rect">
+            <a:avLst/>
+          </a:prstGeom>
+          <a:noFill/>
+          <a:extLst>
+            <a:ext uri="{909E8E84-426E-40DD-AFC4-6F175D3DCCD1}">
+              <a14:hiddenFill xmlns:a14="http://schemas.microsoft.com/office/drawing/2010/main">
+                <a:solidFill>
+                  <a:srgbClr val="FFFFFF"/>
+                </a:solidFill>
+              </a14:hiddenFill>
+            </a:ext>
+          </a:extLst>
+        </p:spPr>
+      </p:pic>
+      <p:pic>
+        <p:nvPicPr>
+          <p:cNvPr id="4100" name="Picture 4" descr="See the source image">
+            <a:extLst>
+              <a:ext uri="{FF2B5EF4-FFF2-40B4-BE49-F238E27FC236}">
+                <a16:creationId xmlns:a16="http://schemas.microsoft.com/office/drawing/2014/main" id="{44DB85FA-1F3D-446F-BD99-95216666AD84}"/>
+              </a:ext>
+            </a:extLst>
+          </p:cNvPr>
+          <p:cNvPicPr>
+            <a:picLocks noChangeAspect="1" noChangeArrowheads="1"/>
+          </p:cNvPicPr>
+          <p:nvPr/>
+        </p:nvPicPr>
+        <p:blipFill rotWithShape="1">
+          <a:blip r:embed="rId4">
+            <a:extLst>
+              <a:ext uri="{28A0092B-C50C-407E-A947-70E740481C1C}">
+                <a14:useLocalDpi xmlns:a14="http://schemas.microsoft.com/office/drawing/2010/main" val="0"/>
+              </a:ext>
+            </a:extLst>
+          </a:blip>
+          <a:srcRect t="5732" r="2" b="15866"/>
+          <a:stretch/>
+        </p:blipFill>
+        <p:spPr bwMode="auto">
+          <a:xfrm>
+            <a:off x="20" y="3429000"/>
+            <a:ext cx="4373525" cy="3429000"/>
+          </a:xfrm>
+          <a:prstGeom prst="rect">
+            <a:avLst/>
+          </a:prstGeom>
+          <a:noFill/>
+          <a:extLst>
+            <a:ext uri="{909E8E84-426E-40DD-AFC4-6F175D3DCCD1}">
+              <a14:hiddenFill xmlns:a14="http://schemas.microsoft.com/office/drawing/2010/main">
+                <a:solidFill>
+                  <a:srgbClr val="FFFFFF"/>
+                </a:solidFill>
+              </a14:hiddenFill>
+            </a:ext>
+          </a:extLst>
+        </p:spPr>
+      </p:pic>
+      <p:sp>
+        <p:nvSpPr>
+          <p:cNvPr id="77" name="Rectangle 76">
+            <a:extLst>
+              <a:ext uri="{FF2B5EF4-FFF2-40B4-BE49-F238E27FC236}">
+                <a16:creationId xmlns:a16="http://schemas.microsoft.com/office/drawing/2014/main" id="{9F01DDB9-C75C-44C2-9331-356EAF9C0578}"/>
+              </a:ext>
+              <a:ext uri="{C183D7F6-B498-43B3-948B-1728B52AA6E4}">
+                <adec:decorative xmlns:adec="http://schemas.microsoft.com/office/drawing/2017/decorative" val="1"/>
+              </a:ext>
+            </a:extLst>
+          </p:cNvPr>
+          <p:cNvSpPr>
+            <a:spLocks noGrp="1" noRot="1" noChangeAspect="1" noMove="1" noResize="1" noEditPoints="1" noAdjustHandles="1" noChangeArrowheads="1" noChangeShapeType="1" noTextEdit="1"/>
+          </p:cNvSpPr>
+          <p:nvPr>
+            <p:extLst>
+              <p:ext uri="{386F3935-93C4-4BCD-93E2-E3B085C9AB24}">
+                <p16:designElem xmlns:p16="http://schemas.microsoft.com/office/powerpoint/2015/main" val="1"/>
+              </p:ext>
+            </p:extLst>
+          </p:nvPr>
+        </p:nvSpPr>
+        <p:spPr>
+          <a:xfrm>
+            <a:off x="0" y="3314700"/>
+            <a:ext cx="4373545" cy="228600"/>
+          </a:xfrm>
+          <a:prstGeom prst="rect">
+            <a:avLst/>
+          </a:prstGeom>
+          <a:solidFill>
+            <a:schemeClr val="tx1"/>
+          </a:solidFill>
+          <a:ln>
+            <a:noFill/>
+          </a:ln>
+        </p:spPr>
+        <p:style>
+          <a:lnRef idx="2">
+            <a:schemeClr val="accent1">
+              <a:shade val="50000"/>
+            </a:schemeClr>
+          </a:lnRef>
+          <a:fillRef idx="1">
+            <a:schemeClr val="accent1"/>
+          </a:fillRef>
+          <a:effectRef idx="0">
+            <a:schemeClr val="accent1"/>
+          </a:effectRef>
+          <a:fontRef idx="minor">
+            <a:schemeClr val="lt1"/>
+          </a:fontRef>
+        </p:style>
+        <p:txBody>
+          <a:bodyPr rtlCol="0" anchor="ctr"/>
+          <a:lstStyle/>
+          <a:p>
+            <a:pPr algn="ctr"/>
+            <a:endParaRPr lang="en-US" dirty="0"/>
+          </a:p>
+        </p:txBody>
+      </p:sp>
+      <p:sp>
+        <p:nvSpPr>
+          <p:cNvPr id="79" name="Rectangle 78">
+            <a:extLst>
+              <a:ext uri="{FF2B5EF4-FFF2-40B4-BE49-F238E27FC236}">
+                <a16:creationId xmlns:a16="http://schemas.microsoft.com/office/drawing/2014/main" id="{72C017B3-7B7A-4C5A-A3E9-09EC1428BCA0}"/>
+              </a:ext>
+              <a:ext uri="{C183D7F6-B498-43B3-948B-1728B52AA6E4}">
+                <adec:decorative xmlns:adec="http://schemas.microsoft.com/office/drawing/2017/decorative" val="1"/>
+              </a:ext>
+            </a:extLst>
+          </p:cNvPr>
+          <p:cNvSpPr>
+            <a:spLocks noGrp="1" noRot="1" noChangeAspect="1" noMove="1" noResize="1" noEditPoints="1" noAdjustHandles="1" noChangeArrowheads="1" noChangeShapeType="1" noTextEdit="1"/>
+          </p:cNvSpPr>
+          <p:nvPr>
+            <p:extLst>
+              <p:ext uri="{386F3935-93C4-4BCD-93E2-E3B085C9AB24}">
+                <p16:designElem xmlns:p16="http://schemas.microsoft.com/office/powerpoint/2015/main" val="1"/>
+              </p:ext>
+            </p:extLst>
+          </p:nvPr>
+        </p:nvSpPr>
+        <p:spPr>
+          <a:xfrm>
+            <a:off x="4373545" y="376"/>
+            <a:ext cx="228600" cy="6858000"/>
+          </a:xfrm>
+          <a:prstGeom prst="rect">
+            <a:avLst/>
+          </a:prstGeom>
+          <a:solidFill>
+            <a:schemeClr val="tx1"/>
+          </a:solidFill>
+          <a:ln>
+            <a:noFill/>
+          </a:ln>
+        </p:spPr>
+        <p:style>
+          <a:lnRef idx="2">
+            <a:schemeClr val="accent1">
+              <a:shade val="50000"/>
+            </a:schemeClr>
+          </a:lnRef>
+          <a:fillRef idx="1">
+            <a:schemeClr val="accent1"/>
+          </a:fillRef>
+          <a:effectRef idx="0">
+            <a:schemeClr val="accent1"/>
+          </a:effectRef>
+          <a:fontRef idx="minor">
+            <a:schemeClr val="lt1"/>
+          </a:fontRef>
+        </p:style>
+      </p:sp>
+      <p:sp>
+        <p:nvSpPr>
+          <p:cNvPr id="3" name="Content Placeholder 2">
+            <a:extLst>
+              <a:ext uri="{FF2B5EF4-FFF2-40B4-BE49-F238E27FC236}">
+                <a16:creationId xmlns:a16="http://schemas.microsoft.com/office/drawing/2014/main" id="{CCD44226-0A63-45CB-AD18-DEC58B30FE48}"/>
+              </a:ext>
+            </a:extLst>
+          </p:cNvPr>
+          <p:cNvSpPr>
+            <a:spLocks noGrp="1"/>
+          </p:cNvSpPr>
+          <p:nvPr>
+            <p:ph idx="1"/>
+          </p:nvPr>
+        </p:nvSpPr>
+        <p:spPr>
+          <a:xfrm>
+            <a:off x="5100824" y="2286000"/>
+            <a:ext cx="6176776" cy="3581400"/>
+          </a:xfrm>
+        </p:spPr>
+        <p:txBody>
+          <a:bodyPr>
+            <a:normAutofit/>
+          </a:bodyPr>
+          <a:lstStyle/>
+          <a:p>
+            <a:endParaRPr lang="en-US"/>
+          </a:p>
+        </p:txBody>
+      </p:sp>
+    </p:spTree>
+    <p:extLst>
+      <p:ext uri="{BB962C8B-B14F-4D97-AF65-F5344CB8AC3E}">
+        <p14:creationId xmlns:p14="http://schemas.microsoft.com/office/powerpoint/2010/main" val="3772213147"/>
+      </p:ext>
+    </p:extLst>
+  </p:cSld>
+  <p:clrMapOvr>
+    <a:overrideClrMapping bg1="dk1" tx1="lt1" bg2="dk2" tx2="lt2" accent1="accent1" accent2="accent2" accent3="accent3" accent4="accent4" accent5="accent5" accent6="accent6" hlink="hlink" folHlink="folHlink"/>
+  </p:clrMapOvr>
+</p:sld>
+</file>
+
+<file path=ppt/slides/slide17.xml><?xml version="1.0" encoding="utf-8"?>
+<p:sld xmlns:a="http://schemas.openxmlformats.org/drawingml/2006/main" xmlns:r="http://schemas.openxmlformats.org/officeDocument/2006/relationships" xmlns:p="http://schemas.openxmlformats.org/presentationml/2006/main">
+  <p:cSld>
+    <p:bg>
+      <p:bgPr>
+        <a:solidFill>
+          <a:schemeClr val="accent1"/>
+        </a:solidFill>
+        <a:effectLst/>
+      </p:bgPr>
+    </p:bg>
+    <p:spTree>
+      <p:nvGrpSpPr>
+        <p:cNvPr id="1" name=""/>
+        <p:cNvGrpSpPr/>
+        <p:nvPr/>
+      </p:nvGrpSpPr>
+      <p:grpSpPr>
+        <a:xfrm>
+          <a:off x="0" y="0"/>
+          <a:ext cx="0" cy="0"/>
+          <a:chOff x="0" y="0"/>
+          <a:chExt cx="0" cy="0"/>
+        </a:xfrm>
+      </p:grpSpPr>
+      <p:sp>
+        <p:nvSpPr>
+          <p:cNvPr id="9" name="Rectangle 8">
+            <a:extLst>
+              <a:ext uri="{FF2B5EF4-FFF2-40B4-BE49-F238E27FC236}">
+                <a16:creationId xmlns:a16="http://schemas.microsoft.com/office/drawing/2014/main" id="{CC4A892D-088E-4414-965D-1F8C4212F602}"/>
+              </a:ext>
+              <a:ext uri="{C183D7F6-B498-43B3-948B-1728B52AA6E4}">
+                <adec:decorative xmlns:adec="http://schemas.microsoft.com/office/drawing/2017/decorative" val="1"/>
+              </a:ext>
+            </a:extLst>
+          </p:cNvPr>
+          <p:cNvSpPr>
+            <a:spLocks noGrp="1" noRot="1" noChangeAspect="1" noMove="1" noResize="1" noEditPoints="1" noAdjustHandles="1" noChangeArrowheads="1" noChangeShapeType="1" noTextEdit="1"/>
+          </p:cNvSpPr>
+          <p:nvPr>
+            <p:extLst>
+              <p:ext uri="{386F3935-93C4-4BCD-93E2-E3B085C9AB24}">
+                <p16:designElem xmlns:p16="http://schemas.microsoft.com/office/powerpoint/2015/main" val="1"/>
+              </p:ext>
+            </p:extLst>
+          </p:nvPr>
+        </p:nvSpPr>
+        <p:spPr>
+          <a:xfrm>
+            <a:off x="0" y="0"/>
+            <a:ext cx="12192000" cy="6858000"/>
+          </a:xfrm>
+          <a:prstGeom prst="rect">
+            <a:avLst/>
+          </a:prstGeom>
+          <a:solidFill>
+            <a:srgbClr val="4B7657"/>
+          </a:solidFill>
+          <a:ln>
+            <a:noFill/>
+          </a:ln>
+        </p:spPr>
+        <p:style>
+          <a:lnRef idx="2">
+            <a:schemeClr val="accent1">
+              <a:shade val="50000"/>
+            </a:schemeClr>
+          </a:lnRef>
+          <a:fillRef idx="1">
+            <a:schemeClr val="accent1"/>
+          </a:fillRef>
+          <a:effectRef idx="0">
+            <a:schemeClr val="accent1"/>
+          </a:effectRef>
+          <a:fontRef idx="minor">
+            <a:schemeClr val="lt1"/>
+          </a:fontRef>
+        </p:style>
+        <p:txBody>
+          <a:bodyPr rtlCol="0" anchor="ctr"/>
+          <a:lstStyle/>
+          <a:p>
+            <a:pPr algn="ctr"/>
+            <a:endParaRPr lang="en-US"/>
+          </a:p>
+        </p:txBody>
+      </p:sp>
+      <p:sp>
+        <p:nvSpPr>
+          <p:cNvPr id="2" name="Title 1">
+            <a:extLst>
+              <a:ext uri="{FF2B5EF4-FFF2-40B4-BE49-F238E27FC236}">
+                <a16:creationId xmlns:a16="http://schemas.microsoft.com/office/drawing/2014/main" id="{3AC8157E-2276-4A7A-BB3B-92F632A9BC13}"/>
+              </a:ext>
+            </a:extLst>
+          </p:cNvPr>
+          <p:cNvSpPr>
+            <a:spLocks noGrp="1"/>
+          </p:cNvSpPr>
+          <p:nvPr>
+            <p:ph type="ctrTitle"/>
+          </p:nvPr>
+        </p:nvSpPr>
+        <p:spPr>
+          <a:xfrm>
+            <a:off x="609601" y="4714251"/>
+            <a:ext cx="10923638" cy="1125190"/>
+          </a:xfrm>
+        </p:spPr>
+        <p:txBody>
+          <a:bodyPr>
+            <a:normAutofit fontScale="90000"/>
+          </a:bodyPr>
+          <a:lstStyle/>
+          <a:p>
+            <a:r>
+              <a:rPr lang="en-US" sz="2600" dirty="0"/>
+              <a:t>Building Traverse City’s Entrepreneurial Ecosystem</a:t>
+            </a:r>
+            <a:br>
+              <a:rPr lang="en-US" sz="2600" dirty="0"/>
+            </a:br>
+            <a:r>
+              <a:rPr lang="en-US" sz="4400" b="1" dirty="0">
+                <a:effectLst/>
+                <a:latin typeface="Calibri" panose="020F0502020204030204" pitchFamily="34" charset="0"/>
+                <a:ea typeface="Calibri" panose="020F0502020204030204" pitchFamily="34" charset="0"/>
+              </a:rPr>
+              <a:t>Engaging NMC in Traverse City’s Startup Community</a:t>
+            </a:r>
+            <a:br>
+              <a:rPr lang="en-US" sz="2600" dirty="0">
+                <a:effectLst/>
+                <a:latin typeface="Calibri" panose="020F0502020204030204" pitchFamily="34" charset="0"/>
+                <a:ea typeface="Calibri" panose="020F0502020204030204" pitchFamily="34" charset="0"/>
+              </a:rPr>
+            </a:br>
+            <a:endParaRPr lang="en-US" sz="2600" dirty="0"/>
+          </a:p>
+        </p:txBody>
+      </p:sp>
+      <p:sp>
+        <p:nvSpPr>
+          <p:cNvPr id="3" name="Subtitle 2">
+            <a:extLst>
+              <a:ext uri="{FF2B5EF4-FFF2-40B4-BE49-F238E27FC236}">
+                <a16:creationId xmlns:a16="http://schemas.microsoft.com/office/drawing/2014/main" id="{92629644-287A-4B50-A754-83717146374F}"/>
+              </a:ext>
+            </a:extLst>
+          </p:cNvPr>
+          <p:cNvSpPr>
+            <a:spLocks noGrp="1"/>
+          </p:cNvSpPr>
+          <p:nvPr>
+            <p:ph type="subTitle" idx="1"/>
+          </p:nvPr>
+        </p:nvSpPr>
+        <p:spPr>
+          <a:xfrm>
+            <a:off x="609600" y="5602183"/>
+            <a:ext cx="9499600" cy="763886"/>
+          </a:xfrm>
+        </p:spPr>
+        <p:txBody>
+          <a:bodyPr>
+            <a:normAutofit/>
+          </a:bodyPr>
+          <a:lstStyle/>
+          <a:p>
+            <a:r>
+              <a:rPr lang="en-US" sz="1400" dirty="0">
+                <a:solidFill>
+                  <a:srgbClr val="FFFFFF"/>
+                </a:solidFill>
+              </a:rPr>
+              <a:t>Keith E. Kelly</a:t>
+            </a:r>
+          </a:p>
+          <a:p>
+            <a:endParaRPr lang="en-US" sz="800" dirty="0">
+              <a:solidFill>
+                <a:srgbClr val="FFFFFF"/>
+              </a:solidFill>
+            </a:endParaRPr>
+          </a:p>
+          <a:p>
+            <a:endParaRPr lang="en-US" sz="800" dirty="0">
+              <a:solidFill>
+                <a:srgbClr val="FFFFFF"/>
+              </a:solidFill>
+            </a:endParaRPr>
+          </a:p>
+        </p:txBody>
+      </p:sp>
+      <p:sp>
+        <p:nvSpPr>
+          <p:cNvPr id="11" name="Rectangle 10">
+            <a:extLst>
+              <a:ext uri="{FF2B5EF4-FFF2-40B4-BE49-F238E27FC236}">
+                <a16:creationId xmlns:a16="http://schemas.microsoft.com/office/drawing/2014/main" id="{472BC85F-BF83-4D6D-A1BC-8EE5822F0804}"/>
+              </a:ext>
+              <a:ext uri="{C183D7F6-B498-43B3-948B-1728B52AA6E4}">
+                <adec:decorative xmlns:adec="http://schemas.microsoft.com/office/drawing/2017/decorative" val="1"/>
+              </a:ext>
+            </a:extLst>
+          </p:cNvPr>
+          <p:cNvSpPr>
+            <a:spLocks noGrp="1" noRot="1" noChangeAspect="1" noMove="1" noResize="1" noEditPoints="1" noAdjustHandles="1" noChangeArrowheads="1" noChangeShapeType="1" noTextEdit="1"/>
+          </p:cNvSpPr>
+          <p:nvPr>
+            <p:extLst>
+              <p:ext uri="{386F3935-93C4-4BCD-93E2-E3B085C9AB24}">
+                <p16:designElem xmlns:p16="http://schemas.microsoft.com/office/powerpoint/2015/main" val="1"/>
+              </p:ext>
+            </p:extLst>
+          </p:nvPr>
+        </p:nvSpPr>
+        <p:spPr>
+          <a:xfrm>
+            <a:off x="0" y="1"/>
+            <a:ext cx="12192000" cy="4572000"/>
+          </a:xfrm>
+          <a:prstGeom prst="rect">
+            <a:avLst/>
+          </a:prstGeom>
+          <a:solidFill>
+            <a:schemeClr val="bg1"/>
+          </a:solidFill>
+          <a:ln>
+            <a:noFill/>
+          </a:ln>
+        </p:spPr>
+        <p:style>
+          <a:lnRef idx="2">
+            <a:schemeClr val="accent1">
+              <a:shade val="50000"/>
+            </a:schemeClr>
+          </a:lnRef>
+          <a:fillRef idx="1">
+            <a:schemeClr val="accent1"/>
+          </a:fillRef>
+          <a:effectRef idx="0">
+            <a:schemeClr val="accent1"/>
+          </a:effectRef>
+          <a:fontRef idx="minor">
+            <a:schemeClr val="lt1"/>
+          </a:fontRef>
+        </p:style>
+        <p:txBody>
+          <a:bodyPr rtlCol="0" anchor="ctr"/>
+          <a:lstStyle/>
+          <a:p>
+            <a:pPr algn="ctr"/>
+            <a:endParaRPr lang="en-US"/>
+          </a:p>
+        </p:txBody>
+      </p:sp>
+      <p:pic>
+        <p:nvPicPr>
+          <p:cNvPr id="4" name="Picture 3">
+            <a:extLst>
+              <a:ext uri="{FF2B5EF4-FFF2-40B4-BE49-F238E27FC236}">
+                <a16:creationId xmlns:a16="http://schemas.microsoft.com/office/drawing/2014/main" id="{35AF7F1E-F5B5-4E16-B48F-385520BB3826}"/>
+              </a:ext>
+            </a:extLst>
+          </p:cNvPr>
+          <p:cNvPicPr/>
+          <p:nvPr/>
+        </p:nvPicPr>
+        <p:blipFill>
+          <a:blip r:embed="rId2" cstate="print">
+            <a:extLst>
+              <a:ext uri="{28A0092B-C50C-407E-A947-70E740481C1C}">
+                <a14:useLocalDpi xmlns:a14="http://schemas.microsoft.com/office/drawing/2010/main" val="0"/>
+              </a:ext>
+            </a:extLst>
+          </a:blip>
+          <a:stretch>
+            <a:fillRect/>
+          </a:stretch>
+        </p:blipFill>
+        <p:spPr bwMode="auto">
+          <a:xfrm>
+            <a:off x="609600" y="1030183"/>
+            <a:ext cx="10938932" cy="2816773"/>
+          </a:xfrm>
+          <a:prstGeom prst="rect">
+            <a:avLst/>
+          </a:prstGeom>
+          <a:noFill/>
+        </p:spPr>
+      </p:pic>
+    </p:spTree>
+    <p:extLst>
+      <p:ext uri="{BB962C8B-B14F-4D97-AF65-F5344CB8AC3E}">
+        <p14:creationId xmlns:p14="http://schemas.microsoft.com/office/powerpoint/2010/main" val="2213128148"/>
+      </p:ext>
+    </p:extLst>
+  </p:cSld>
+  <p:clrMapOvr>
+    <a:masterClrMapping/>
+  </p:clrMapOvr>
+</p:sld>
+</file>
+
+<file path=ppt/slides/slide18.xml><?xml version="1.0" encoding="utf-8"?>
+<p:sld xmlns:a="http://schemas.openxmlformats.org/drawingml/2006/main" xmlns:r="http://schemas.openxmlformats.org/officeDocument/2006/relationships" xmlns:p="http://schemas.openxmlformats.org/presentationml/2006/main">
+  <p:cSld>
+    <p:spTree>
+      <p:nvGrpSpPr>
+        <p:cNvPr id="1" name=""/>
+        <p:cNvGrpSpPr/>
+        <p:nvPr/>
+      </p:nvGrpSpPr>
+      <p:grpSpPr>
+        <a:xfrm>
+          <a:off x="0" y="0"/>
+          <a:ext cx="0" cy="0"/>
+          <a:chOff x="0" y="0"/>
+          <a:chExt cx="0" cy="0"/>
+        </a:xfrm>
+      </p:grpSpPr>
+      <p:sp>
+        <p:nvSpPr>
+          <p:cNvPr id="2" name="Title 1">
+            <a:extLst>
+              <a:ext uri="{FF2B5EF4-FFF2-40B4-BE49-F238E27FC236}">
+                <a16:creationId xmlns:a16="http://schemas.microsoft.com/office/drawing/2014/main" id="{47F39232-59F1-43F4-BAE9-711FEC69C360}"/>
+              </a:ext>
+            </a:extLst>
+          </p:cNvPr>
+          <p:cNvSpPr>
+            <a:spLocks noGrp="1"/>
+          </p:cNvSpPr>
+          <p:nvPr>
+            <p:ph type="title"/>
+          </p:nvPr>
+        </p:nvSpPr>
+        <p:spPr/>
+        <p:txBody>
+          <a:bodyPr/>
+          <a:lstStyle/>
+          <a:p>
+            <a:endParaRPr lang="en-US"/>
+          </a:p>
+        </p:txBody>
+      </p:sp>
+      <p:sp>
+        <p:nvSpPr>
+          <p:cNvPr id="3" name="Content Placeholder 2">
+            <a:extLst>
+              <a:ext uri="{FF2B5EF4-FFF2-40B4-BE49-F238E27FC236}">
+                <a16:creationId xmlns:a16="http://schemas.microsoft.com/office/drawing/2014/main" id="{9FD9E836-E9DA-4A9C-8CFA-5BFA43B1F4F8}"/>
+              </a:ext>
+            </a:extLst>
+          </p:cNvPr>
+          <p:cNvSpPr>
+            <a:spLocks noGrp="1"/>
+          </p:cNvSpPr>
+          <p:nvPr>
+            <p:ph idx="1"/>
+          </p:nvPr>
+        </p:nvSpPr>
+        <p:spPr/>
+        <p:txBody>
+          <a:bodyPr/>
+          <a:lstStyle/>
+          <a:p>
+            <a:endParaRPr lang="en-US"/>
+          </a:p>
+        </p:txBody>
+      </p:sp>
+    </p:spTree>
+    <p:extLst>
+      <p:ext uri="{BB962C8B-B14F-4D97-AF65-F5344CB8AC3E}">
+        <p14:creationId xmlns:p14="http://schemas.microsoft.com/office/powerpoint/2010/main" val="3890375483"/>
       </p:ext>
     </p:extLst>
   </p:cSld>
@@ -4862,16 +6374,6 @@
                 </a:solidFill>
               </a:rPr>
               <a:t>Keith E. Kelly</a:t>
-            </a:r>
-          </a:p>
-          <a:p>
-            <a:r>
-              <a:rPr lang="en-US" sz="1400" dirty="0">
-                <a:solidFill>
-                  <a:srgbClr val="FFFFFF"/>
-                </a:solidFill>
-              </a:rPr>
-              <a:t>NMC Student Information Session 10/12/2021</a:t>
             </a:r>
           </a:p>
           <a:p>
